--- a/3rd_DeepLearningStudy_Poster/3rd_DeepLearningStudy_Poster.pptx
+++ b/3rd_DeepLearningStudy_Poster/3rd_DeepLearningStudy_Poster.pptx
@@ -223,7 +223,7 @@
           <a:p>
             <a:fld id="{9111E175-2276-4589-9563-7AB417D72925}" type="datetimeFigureOut">
               <a:rPr lang="ko-KR" altLang="en-US" smtClean="0"/>
-              <a:t>2020-12-24</a:t>
+              <a:t>2020-12-25</a:t>
             </a:fld>
             <a:endParaRPr lang="ko-KR" altLang="en-US"/>
           </a:p>
@@ -705,7 +705,7 @@
           <a:p>
             <a:fld id="{54352E66-F4B6-49B6-B896-B28905011A6E}" type="datetimeFigureOut">
               <a:rPr lang="ko-KR" altLang="en-US" smtClean="0"/>
-              <a:t>2020-12-24</a:t>
+              <a:t>2020-12-25</a:t>
             </a:fld>
             <a:endParaRPr lang="ko-KR" altLang="en-US"/>
           </a:p>
@@ -875,7 +875,7 @@
           <a:p>
             <a:fld id="{54352E66-F4B6-49B6-B896-B28905011A6E}" type="datetimeFigureOut">
               <a:rPr lang="ko-KR" altLang="en-US" smtClean="0"/>
-              <a:t>2020-12-24</a:t>
+              <a:t>2020-12-25</a:t>
             </a:fld>
             <a:endParaRPr lang="ko-KR" altLang="en-US"/>
           </a:p>
@@ -1055,7 +1055,7 @@
           <a:p>
             <a:fld id="{54352E66-F4B6-49B6-B896-B28905011A6E}" type="datetimeFigureOut">
               <a:rPr lang="ko-KR" altLang="en-US" smtClean="0"/>
-              <a:t>2020-12-24</a:t>
+              <a:t>2020-12-25</a:t>
             </a:fld>
             <a:endParaRPr lang="ko-KR" altLang="en-US"/>
           </a:p>
@@ -1225,7 +1225,7 @@
           <a:p>
             <a:fld id="{54352E66-F4B6-49B6-B896-B28905011A6E}" type="datetimeFigureOut">
               <a:rPr lang="ko-KR" altLang="en-US" smtClean="0"/>
-              <a:t>2020-12-24</a:t>
+              <a:t>2020-12-25</a:t>
             </a:fld>
             <a:endParaRPr lang="ko-KR" altLang="en-US"/>
           </a:p>
@@ -1469,7 +1469,7 @@
           <a:p>
             <a:fld id="{54352E66-F4B6-49B6-B896-B28905011A6E}" type="datetimeFigureOut">
               <a:rPr lang="ko-KR" altLang="en-US" smtClean="0"/>
-              <a:t>2020-12-24</a:t>
+              <a:t>2020-12-25</a:t>
             </a:fld>
             <a:endParaRPr lang="ko-KR" altLang="en-US"/>
           </a:p>
@@ -1701,7 +1701,7 @@
           <a:p>
             <a:fld id="{54352E66-F4B6-49B6-B896-B28905011A6E}" type="datetimeFigureOut">
               <a:rPr lang="ko-KR" altLang="en-US" smtClean="0"/>
-              <a:t>2020-12-24</a:t>
+              <a:t>2020-12-25</a:t>
             </a:fld>
             <a:endParaRPr lang="ko-KR" altLang="en-US"/>
           </a:p>
@@ -2068,7 +2068,7 @@
           <a:p>
             <a:fld id="{54352E66-F4B6-49B6-B896-B28905011A6E}" type="datetimeFigureOut">
               <a:rPr lang="ko-KR" altLang="en-US" smtClean="0"/>
-              <a:t>2020-12-24</a:t>
+              <a:t>2020-12-25</a:t>
             </a:fld>
             <a:endParaRPr lang="ko-KR" altLang="en-US"/>
           </a:p>
@@ -2186,7 +2186,7 @@
           <a:p>
             <a:fld id="{54352E66-F4B6-49B6-B896-B28905011A6E}" type="datetimeFigureOut">
               <a:rPr lang="ko-KR" altLang="en-US" smtClean="0"/>
-              <a:t>2020-12-24</a:t>
+              <a:t>2020-12-25</a:t>
             </a:fld>
             <a:endParaRPr lang="ko-KR" altLang="en-US"/>
           </a:p>
@@ -2281,7 +2281,7 @@
           <a:p>
             <a:fld id="{54352E66-F4B6-49B6-B896-B28905011A6E}" type="datetimeFigureOut">
               <a:rPr lang="ko-KR" altLang="en-US" smtClean="0"/>
-              <a:t>2020-12-24</a:t>
+              <a:t>2020-12-25</a:t>
             </a:fld>
             <a:endParaRPr lang="ko-KR" altLang="en-US"/>
           </a:p>
@@ -2558,7 +2558,7 @@
           <a:p>
             <a:fld id="{54352E66-F4B6-49B6-B896-B28905011A6E}" type="datetimeFigureOut">
               <a:rPr lang="ko-KR" altLang="en-US" smtClean="0"/>
-              <a:t>2020-12-24</a:t>
+              <a:t>2020-12-25</a:t>
             </a:fld>
             <a:endParaRPr lang="ko-KR" altLang="en-US"/>
           </a:p>
@@ -2815,7 +2815,7 @@
           <a:p>
             <a:fld id="{54352E66-F4B6-49B6-B896-B28905011A6E}" type="datetimeFigureOut">
               <a:rPr lang="ko-KR" altLang="en-US" smtClean="0"/>
-              <a:t>2020-12-24</a:t>
+              <a:t>2020-12-25</a:t>
             </a:fld>
             <a:endParaRPr lang="ko-KR" altLang="en-US"/>
           </a:p>
@@ -3028,7 +3028,7 @@
           <a:p>
             <a:fld id="{54352E66-F4B6-49B6-B896-B28905011A6E}" type="datetimeFigureOut">
               <a:rPr lang="ko-KR" altLang="en-US" smtClean="0"/>
-              <a:t>2020-12-24</a:t>
+              <a:t>2020-12-25</a:t>
             </a:fld>
             <a:endParaRPr lang="ko-KR" altLang="en-US"/>
           </a:p>
@@ -9144,7 +9144,7 @@
           <a:p>
             <a:pPr algn="ctr"/>
             <a:r>
-              <a:rPr lang="en-US" altLang="ko-KR" sz="11500" b="1" spc="-150" dirty="0">
+              <a:rPr lang="en-US" altLang="ko-KR" sz="11500" b="1" spc="-150">
                 <a:solidFill>
                   <a:srgbClr val="64CAE1"/>
                 </a:solidFill>
@@ -9155,7 +9155,7 @@
               <a:t>D</a:t>
             </a:r>
             <a:r>
-              <a:rPr lang="en-US" altLang="ko-KR" sz="11500" b="1" spc="-150" dirty="0">
+              <a:rPr lang="en-US" altLang="ko-KR" sz="11500" b="1" spc="-150">
                 <a:solidFill>
                   <a:srgbClr val="F53F55"/>
                 </a:solidFill>
@@ -9166,7 +9166,7 @@
               <a:t>E</a:t>
             </a:r>
             <a:r>
-              <a:rPr lang="en-US" altLang="ko-KR" sz="11500" b="1" spc="-150" dirty="0">
+              <a:rPr lang="en-US" altLang="ko-KR" sz="11500" b="1" spc="-150">
                 <a:solidFill>
                   <a:srgbClr val="F2F2F2"/>
                 </a:solidFill>
@@ -9174,10 +9174,10 @@
                 <a:ea typeface="Noto Sans CJK KR Thin"/>
                 <a:cs typeface="Arial" panose="020B0604020202020204" pitchFamily="34" charset="0"/>
               </a:rPr>
-              <a:t>A</a:t>
-            </a:r>
-            <a:r>
-              <a:rPr lang="en-US" altLang="ko-KR" sz="11500" b="1" spc="-150" dirty="0">
+              <a:t>E</a:t>
+            </a:r>
+            <a:r>
+              <a:rPr lang="en-US" altLang="ko-KR" sz="11500" b="1" spc="-150">
                 <a:solidFill>
                   <a:srgbClr val="64CAE1"/>
                 </a:solidFill>
@@ -9187,6 +9187,14 @@
               </a:rPr>
               <a:t>P</a:t>
             </a:r>
+            <a:endParaRPr lang="en-US" altLang="ko-KR" sz="11500" b="1" spc="-150" dirty="0">
+              <a:solidFill>
+                <a:srgbClr val="64CAE1"/>
+              </a:solidFill>
+              <a:latin typeface="Arial" panose="020B0604020202020204" pitchFamily="34" charset="0"/>
+              <a:ea typeface="Noto Sans CJK KR Thin"/>
+              <a:cs typeface="Arial" panose="020B0604020202020204" pitchFamily="34" charset="0"/>
+            </a:endParaRPr>
           </a:p>
           <a:p>
             <a:pPr algn="ctr"/>
